--- a/Chapitre_01_Energetique/Application_InertieEquivalente_Reducteur/images/Figures.pptx
+++ b/Chapitre_01_Energetique/Application_InertieEquivalente_Reducteur/images/Figures.pptx
@@ -106,6 +106,22 @@
       </a:defRPr>
     </a:lvl9pPr>
   </p:defaultTextStyle>
+  <p:extLst>
+    <p:ext uri="{EFAFB233-063F-42B5-8137-9DF3F51BA10A}">
+      <p15:sldGuideLst xmlns:p15="http://schemas.microsoft.com/office/powerpoint/2012/main">
+        <p15:guide id="1" orient="horz" pos="2160">
+          <p15:clr>
+            <a:srgbClr val="A4A3A4"/>
+          </p15:clr>
+        </p15:guide>
+        <p15:guide id="2" pos="2880">
+          <p15:clr>
+            <a:srgbClr val="A4A3A4"/>
+          </p15:clr>
+        </p15:guide>
+      </p15:sldGuideLst>
+    </p:ext>
+  </p:extLst>
 </p:presentation>
 </file>
 
@@ -290,7 +306,7 @@
           <a:p>
             <a:fld id="{AA309A6D-C09C-4548-B29A-6CF363A7E532}" type="datetimeFigureOut">
               <a:rPr lang="fr-FR" smtClean="0"/>
-              <a:t>26/12/2017</a:t>
+              <a:t>24/01/2019</a:t>
             </a:fld>
             <a:endParaRPr lang="fr-BE"/>
           </a:p>
@@ -455,7 +471,7 @@
           <a:p>
             <a:fld id="{AA309A6D-C09C-4548-B29A-6CF363A7E532}" type="datetimeFigureOut">
               <a:rPr lang="fr-FR" smtClean="0"/>
-              <a:t>26/12/2017</a:t>
+              <a:t>24/01/2019</a:t>
             </a:fld>
             <a:endParaRPr lang="fr-BE"/>
           </a:p>
@@ -630,7 +646,7 @@
           <a:p>
             <a:fld id="{AA309A6D-C09C-4548-B29A-6CF363A7E532}" type="datetimeFigureOut">
               <a:rPr lang="fr-FR" smtClean="0"/>
-              <a:t>26/12/2017</a:t>
+              <a:t>24/01/2019</a:t>
             </a:fld>
             <a:endParaRPr lang="fr-BE"/>
           </a:p>
@@ -795,7 +811,7 @@
           <a:p>
             <a:fld id="{AA309A6D-C09C-4548-B29A-6CF363A7E532}" type="datetimeFigureOut">
               <a:rPr lang="fr-FR" smtClean="0"/>
-              <a:t>26/12/2017</a:t>
+              <a:t>24/01/2019</a:t>
             </a:fld>
             <a:endParaRPr lang="fr-BE"/>
           </a:p>
@@ -1036,7 +1052,7 @@
           <a:p>
             <a:fld id="{AA309A6D-C09C-4548-B29A-6CF363A7E532}" type="datetimeFigureOut">
               <a:rPr lang="fr-FR" smtClean="0"/>
-              <a:t>26/12/2017</a:t>
+              <a:t>24/01/2019</a:t>
             </a:fld>
             <a:endParaRPr lang="fr-BE"/>
           </a:p>
@@ -1319,7 +1335,7 @@
           <a:p>
             <a:fld id="{AA309A6D-C09C-4548-B29A-6CF363A7E532}" type="datetimeFigureOut">
               <a:rPr lang="fr-FR" smtClean="0"/>
-              <a:t>26/12/2017</a:t>
+              <a:t>24/01/2019</a:t>
             </a:fld>
             <a:endParaRPr lang="fr-BE"/>
           </a:p>
@@ -1736,7 +1752,7 @@
           <a:p>
             <a:fld id="{AA309A6D-C09C-4548-B29A-6CF363A7E532}" type="datetimeFigureOut">
               <a:rPr lang="fr-FR" smtClean="0"/>
-              <a:t>26/12/2017</a:t>
+              <a:t>24/01/2019</a:t>
             </a:fld>
             <a:endParaRPr lang="fr-BE"/>
           </a:p>
@@ -1849,7 +1865,7 @@
           <a:p>
             <a:fld id="{AA309A6D-C09C-4548-B29A-6CF363A7E532}" type="datetimeFigureOut">
               <a:rPr lang="fr-FR" smtClean="0"/>
-              <a:t>26/12/2017</a:t>
+              <a:t>24/01/2019</a:t>
             </a:fld>
             <a:endParaRPr lang="fr-BE"/>
           </a:p>
@@ -1939,7 +1955,7 @@
           <a:p>
             <a:fld id="{AA309A6D-C09C-4548-B29A-6CF363A7E532}" type="datetimeFigureOut">
               <a:rPr lang="fr-FR" smtClean="0"/>
-              <a:t>26/12/2017</a:t>
+              <a:t>24/01/2019</a:t>
             </a:fld>
             <a:endParaRPr lang="fr-BE"/>
           </a:p>
@@ -2211,7 +2227,7 @@
           <a:p>
             <a:fld id="{AA309A6D-C09C-4548-B29A-6CF363A7E532}" type="datetimeFigureOut">
               <a:rPr lang="fr-FR" smtClean="0"/>
-              <a:t>26/12/2017</a:t>
+              <a:t>24/01/2019</a:t>
             </a:fld>
             <a:endParaRPr lang="fr-BE"/>
           </a:p>
@@ -2459,7 +2475,7 @@
           <a:p>
             <a:fld id="{AA309A6D-C09C-4548-B29A-6CF363A7E532}" type="datetimeFigureOut">
               <a:rPr lang="fr-FR" smtClean="0"/>
-              <a:t>26/12/2017</a:t>
+              <a:t>24/01/2019</a:t>
             </a:fld>
             <a:endParaRPr lang="fr-BE"/>
           </a:p>
@@ -2667,7 +2683,7 @@
           <a:p>
             <a:fld id="{AA309A6D-C09C-4548-B29A-6CF363A7E532}" type="datetimeFigureOut">
               <a:rPr lang="fr-FR" smtClean="0"/>
-              <a:t>26/12/2017</a:t>
+              <a:t>24/01/2019</a:t>
             </a:fld>
             <a:endParaRPr lang="fr-BE"/>
           </a:p>
@@ -4449,7 +4465,7 @@
                           <m:chr m:val="⃗"/>
                           <m:ctrlPr>
                             <a:rPr lang="fr-FR" sz="1200" i="1" smtClean="0">
-                              <a:latin typeface="Cambria Math"/>
+                              <a:latin typeface="Cambria Math" panose="02040503050406030204" pitchFamily="18" charset="0"/>
                             </a:rPr>
                           </m:ctrlPr>
                         </m:accPr>
@@ -4458,7 +4474,7 @@
                             <m:sSubPr>
                               <m:ctrlPr>
                                 <a:rPr lang="fr-FR" sz="1200" b="0" i="1" smtClean="0">
-                                  <a:latin typeface="Cambria Math"/>
+                                  <a:latin typeface="Cambria Math" panose="02040503050406030204" pitchFamily="18" charset="0"/>
                                 </a:rPr>
                               </m:ctrlPr>
                             </m:sSubPr>
@@ -4564,7 +4580,7 @@
                           <m:chr m:val="⃗"/>
                           <m:ctrlPr>
                             <a:rPr lang="fr-FR" sz="1200" i="1" smtClean="0">
-                              <a:latin typeface="Cambria Math"/>
+                              <a:latin typeface="Cambria Math" panose="02040503050406030204" pitchFamily="18" charset="0"/>
                             </a:rPr>
                           </m:ctrlPr>
                         </m:accPr>
@@ -4573,7 +4589,7 @@
                             <m:sSubPr>
                               <m:ctrlPr>
                                 <a:rPr lang="fr-FR" sz="1200" b="0" i="1" smtClean="0">
-                                  <a:latin typeface="Cambria Math"/>
+                                  <a:latin typeface="Cambria Math" panose="02040503050406030204" pitchFamily="18" charset="0"/>
                                 </a:rPr>
                               </m:ctrlPr>
                             </m:sSubPr>
@@ -4920,7 +4936,7 @@
                           <m:chr m:val="⃗"/>
                           <m:ctrlPr>
                             <a:rPr lang="fr-FR" sz="1200" i="1" smtClean="0">
-                              <a:latin typeface="Cambria Math"/>
+                              <a:latin typeface="Cambria Math" panose="02040503050406030204" pitchFamily="18" charset="0"/>
                             </a:rPr>
                           </m:ctrlPr>
                         </m:accPr>
@@ -4929,7 +4945,7 @@
                             <m:sSubPr>
                               <m:ctrlPr>
                                 <a:rPr lang="fr-FR" sz="1200" b="0" i="1" smtClean="0">
-                                  <a:latin typeface="Cambria Math"/>
+                                  <a:latin typeface="Cambria Math" panose="02040503050406030204" pitchFamily="18" charset="0"/>
                                 </a:rPr>
                               </m:ctrlPr>
                             </m:sSubPr>
@@ -6705,7 +6721,7 @@
                           <m:chr m:val="⃗"/>
                           <m:ctrlPr>
                             <a:rPr lang="fr-FR" sz="1200" i="1" smtClean="0">
-                              <a:latin typeface="Cambria Math"/>
+                              <a:latin typeface="Cambria Math" panose="02040503050406030204" pitchFamily="18" charset="0"/>
                             </a:rPr>
                           </m:ctrlPr>
                         </m:accPr>
@@ -6714,7 +6730,7 @@
                             <m:sSubPr>
                               <m:ctrlPr>
                                 <a:rPr lang="fr-FR" sz="1200" b="0" i="1" smtClean="0">
-                                  <a:latin typeface="Cambria Math"/>
+                                  <a:latin typeface="Cambria Math" panose="02040503050406030204" pitchFamily="18" charset="0"/>
                                 </a:rPr>
                               </m:ctrlPr>
                             </m:sSubPr>
@@ -6820,7 +6836,7 @@
                           <m:chr m:val="⃗"/>
                           <m:ctrlPr>
                             <a:rPr lang="fr-FR" sz="1200" i="1" smtClean="0">
-                              <a:latin typeface="Cambria Math"/>
+                              <a:latin typeface="Cambria Math" panose="02040503050406030204" pitchFamily="18" charset="0"/>
                             </a:rPr>
                           </m:ctrlPr>
                         </m:accPr>
@@ -6829,7 +6845,7 @@
                             <m:sSubPr>
                               <m:ctrlPr>
                                 <a:rPr lang="fr-FR" sz="1200" b="0" i="1" smtClean="0">
-                                  <a:latin typeface="Cambria Math"/>
+                                  <a:latin typeface="Cambria Math" panose="02040503050406030204" pitchFamily="18" charset="0"/>
                                 </a:rPr>
                               </m:ctrlPr>
                             </m:sSubPr>
@@ -7176,7 +7192,7 @@
                           <m:chr m:val="⃗"/>
                           <m:ctrlPr>
                             <a:rPr lang="fr-FR" sz="1200" i="1" smtClean="0">
-                              <a:latin typeface="Cambria Math"/>
+                              <a:latin typeface="Cambria Math" panose="02040503050406030204" pitchFamily="18" charset="0"/>
                             </a:rPr>
                           </m:ctrlPr>
                         </m:accPr>
@@ -7185,7 +7201,7 @@
                             <m:sSubPr>
                               <m:ctrlPr>
                                 <a:rPr lang="fr-FR" sz="1200" b="0" i="1" smtClean="0">
-                                  <a:latin typeface="Cambria Math"/>
+                                  <a:latin typeface="Cambria Math" panose="02040503050406030204" pitchFamily="18" charset="0"/>
                                 </a:rPr>
                               </m:ctrlPr>
                             </m:sSubPr>
@@ -8689,8 +8705,8 @@
           </a:fontRef>
         </p:style>
       </p:cxnSp>
-      <mc:AlternateContent xmlns:mc="http://schemas.openxmlformats.org/markup-compatibility/2006">
-        <mc:Choice xmlns:a14="http://schemas.microsoft.com/office/drawing/2010/main" Requires="a14">
+      <mc:AlternateContent xmlns:mc="http://schemas.openxmlformats.org/markup-compatibility/2006" xmlns:a14="http://schemas.microsoft.com/office/drawing/2010/main">
+        <mc:Choice Requires="a14">
           <p:sp>
             <p:nvSpPr>
               <p:cNvPr id="64" name="ZoneTexte 63"/>
@@ -8725,7 +8741,7 @@
                           <m:chr m:val="⃗"/>
                           <m:ctrlPr>
                             <a:rPr lang="fr-FR" sz="1200" i="1" smtClean="0">
-                              <a:latin typeface="Cambria Math"/>
+                              <a:latin typeface="Cambria Math" panose="02040503050406030204" pitchFamily="18" charset="0"/>
                             </a:rPr>
                           </m:ctrlPr>
                         </m:accPr>
@@ -8734,7 +8750,7 @@
                             <m:sSubPr>
                               <m:ctrlPr>
                                 <a:rPr lang="fr-FR" sz="1200" b="0" i="1" smtClean="0">
-                                  <a:latin typeface="Cambria Math"/>
+                                  <a:latin typeface="Cambria Math" panose="02040503050406030204" pitchFamily="18" charset="0"/>
                                 </a:rPr>
                               </m:ctrlPr>
                             </m:sSubPr>
@@ -8765,7 +8781,7 @@
             </p:txBody>
           </p:sp>
         </mc:Choice>
-        <mc:Fallback>
+        <mc:Fallback xmlns="">
           <p:sp>
             <p:nvSpPr>
               <p:cNvPr id="64" name="ZoneTexte 63"/>
@@ -8804,8 +8820,8 @@
           </p:sp>
         </mc:Fallback>
       </mc:AlternateContent>
-      <mc:AlternateContent xmlns:mc="http://schemas.openxmlformats.org/markup-compatibility/2006">
-        <mc:Choice xmlns:a14="http://schemas.microsoft.com/office/drawing/2010/main" Requires="a14">
+      <mc:AlternateContent xmlns:mc="http://schemas.openxmlformats.org/markup-compatibility/2006" xmlns:a14="http://schemas.microsoft.com/office/drawing/2010/main">
+        <mc:Choice Requires="a14">
           <p:sp>
             <p:nvSpPr>
               <p:cNvPr id="65" name="ZoneTexte 64"/>
@@ -8840,7 +8856,7 @@
                           <m:chr m:val="⃗"/>
                           <m:ctrlPr>
                             <a:rPr lang="fr-FR" sz="1200" i="1" smtClean="0">
-                              <a:latin typeface="Cambria Math"/>
+                              <a:latin typeface="Cambria Math" panose="02040503050406030204" pitchFamily="18" charset="0"/>
                             </a:rPr>
                           </m:ctrlPr>
                         </m:accPr>
@@ -8849,7 +8865,7 @@
                             <m:sSubPr>
                               <m:ctrlPr>
                                 <a:rPr lang="fr-FR" sz="1200" b="0" i="1" smtClean="0">
-                                  <a:latin typeface="Cambria Math"/>
+                                  <a:latin typeface="Cambria Math" panose="02040503050406030204" pitchFamily="18" charset="0"/>
                                 </a:rPr>
                               </m:ctrlPr>
                             </m:sSubPr>
@@ -8880,7 +8896,7 @@
             </p:txBody>
           </p:sp>
         </mc:Choice>
-        <mc:Fallback>
+        <mc:Fallback xmlns="">
           <p:sp>
             <p:nvSpPr>
               <p:cNvPr id="65" name="ZoneTexte 64"/>
@@ -9331,6 +9347,727 @@
           </a:fontRef>
         </p:style>
       </p:cxnSp>
+      <mc:AlternateContent xmlns:mc="http://schemas.openxmlformats.org/markup-compatibility/2006">
+        <mc:Choice xmlns:a14="http://schemas.microsoft.com/office/drawing/2010/main" Requires="a14">
+          <p:sp>
+            <p:nvSpPr>
+              <p:cNvPr id="37" name="ZoneTexte 36"/>
+              <p:cNvSpPr txBox="1"/>
+              <p:nvPr/>
+            </p:nvSpPr>
+            <p:spPr>
+              <a:xfrm>
+                <a:off x="1587869" y="2533387"/>
+                <a:ext cx="375359" cy="276999"/>
+              </a:xfrm>
+              <a:prstGeom prst="rect">
+                <a:avLst/>
+              </a:prstGeom>
+              <a:noFill/>
+            </p:spPr>
+            <p:txBody>
+              <a:bodyPr wrap="none" rtlCol="0">
+                <a:spAutoFit/>
+              </a:bodyPr>
+              <a:lstStyle/>
+              <a:p>
+                <a:pPr/>
+                <a14:m>
+                  <m:oMathPara xmlns:m="http://schemas.openxmlformats.org/officeDocument/2006/math">
+                    <m:oMathParaPr>
+                      <m:jc m:val="centerGroup"/>
+                    </m:oMathParaPr>
+                    <m:oMath xmlns:m="http://schemas.openxmlformats.org/officeDocument/2006/math">
+                      <m:sSub>
+                        <m:sSubPr>
+                          <m:ctrlPr>
+                            <a:rPr lang="fr-FR" sz="1200" b="0" i="1" smtClean="0">
+                              <a:latin typeface="Cambria Math" panose="02040503050406030204" pitchFamily="18" charset="0"/>
+                            </a:rPr>
+                          </m:ctrlPr>
+                        </m:sSubPr>
+                        <m:e>
+                          <m:r>
+                            <a:rPr lang="fr-FR" sz="1200" i="1" smtClean="0">
+                              <a:latin typeface="Cambria Math" panose="02040503050406030204" pitchFamily="18" charset="0"/>
+                            </a:rPr>
+                            <m:t>𝑍</m:t>
+                          </m:r>
+                        </m:e>
+                        <m:sub>
+                          <m:r>
+                            <a:rPr lang="fr-FR" sz="1200" b="0" i="1" smtClean="0">
+                              <a:latin typeface="Cambria Math" panose="02040503050406030204" pitchFamily="18" charset="0"/>
+                            </a:rPr>
+                            <m:t>1</m:t>
+                          </m:r>
+                        </m:sub>
+                      </m:sSub>
+                    </m:oMath>
+                  </m:oMathPara>
+                </a14:m>
+                <a:endParaRPr lang="fr-FR" sz="1200" dirty="0"/>
+              </a:p>
+            </p:txBody>
+          </p:sp>
+        </mc:Choice>
+        <mc:Fallback>
+          <p:sp>
+            <p:nvSpPr>
+              <p:cNvPr id="37" name="ZoneTexte 36"/>
+              <p:cNvSpPr txBox="1">
+                <a:spLocks noRot="1" noChangeAspect="1" noMove="1" noResize="1" noEditPoints="1" noAdjustHandles="1" noChangeArrowheads="1" noChangeShapeType="1" noTextEdit="1"/>
+              </p:cNvSpPr>
+              <p:nvPr/>
+            </p:nvSpPr>
+            <p:spPr>
+              <a:xfrm>
+                <a:off x="1587869" y="2533387"/>
+                <a:ext cx="375359" cy="276999"/>
+              </a:xfrm>
+              <a:prstGeom prst="rect">
+                <a:avLst/>
+              </a:prstGeom>
+              <a:blipFill>
+                <a:blip r:embed="rId4"/>
+                <a:stretch>
+                  <a:fillRect/>
+                </a:stretch>
+              </a:blipFill>
+            </p:spPr>
+            <p:txBody>
+              <a:bodyPr/>
+              <a:lstStyle/>
+              <a:p>
+                <a:r>
+                  <a:rPr lang="fr-FR">
+                    <a:noFill/>
+                  </a:rPr>
+                  <a:t> </a:t>
+                </a:r>
+              </a:p>
+            </p:txBody>
+          </p:sp>
+        </mc:Fallback>
+      </mc:AlternateContent>
+      <mc:AlternateContent xmlns:mc="http://schemas.openxmlformats.org/markup-compatibility/2006">
+        <mc:Choice xmlns:a14="http://schemas.microsoft.com/office/drawing/2010/main" Requires="a14">
+          <p:sp>
+            <p:nvSpPr>
+              <p:cNvPr id="38" name="ZoneTexte 37"/>
+              <p:cNvSpPr txBox="1"/>
+              <p:nvPr/>
+            </p:nvSpPr>
+            <p:spPr>
+              <a:xfrm>
+                <a:off x="1514287" y="205095"/>
+                <a:ext cx="444674" cy="276999"/>
+              </a:xfrm>
+              <a:prstGeom prst="rect">
+                <a:avLst/>
+              </a:prstGeom>
+              <a:noFill/>
+            </p:spPr>
+            <p:txBody>
+              <a:bodyPr wrap="none" rtlCol="0">
+                <a:spAutoFit/>
+              </a:bodyPr>
+              <a:lstStyle/>
+              <a:p>
+                <a:pPr/>
+                <a14:m>
+                  <m:oMathPara xmlns:m="http://schemas.openxmlformats.org/officeDocument/2006/math">
+                    <m:oMathParaPr>
+                      <m:jc m:val="centerGroup"/>
+                    </m:oMathParaPr>
+                    <m:oMath xmlns:m="http://schemas.openxmlformats.org/officeDocument/2006/math">
+                      <m:sSub>
+                        <m:sSubPr>
+                          <m:ctrlPr>
+                            <a:rPr lang="fr-FR" sz="1200" b="0" i="1" smtClean="0">
+                              <a:latin typeface="Cambria Math" panose="02040503050406030204" pitchFamily="18" charset="0"/>
+                            </a:rPr>
+                          </m:ctrlPr>
+                        </m:sSubPr>
+                        <m:e>
+                          <m:r>
+                            <a:rPr lang="fr-FR" sz="1200" i="1" smtClean="0">
+                              <a:latin typeface="Cambria Math" panose="02040503050406030204" pitchFamily="18" charset="0"/>
+                            </a:rPr>
+                            <m:t>𝑍</m:t>
+                          </m:r>
+                        </m:e>
+                        <m:sub>
+                          <m:r>
+                            <a:rPr lang="fr-FR" sz="1200" b="0" i="1" smtClean="0">
+                              <a:latin typeface="Cambria Math" panose="02040503050406030204" pitchFamily="18" charset="0"/>
+                            </a:rPr>
+                            <m:t>21</m:t>
+                          </m:r>
+                        </m:sub>
+                      </m:sSub>
+                    </m:oMath>
+                  </m:oMathPara>
+                </a14:m>
+                <a:endParaRPr lang="fr-FR" sz="1200" dirty="0"/>
+              </a:p>
+            </p:txBody>
+          </p:sp>
+        </mc:Choice>
+        <mc:Fallback>
+          <p:sp>
+            <p:nvSpPr>
+              <p:cNvPr id="38" name="ZoneTexte 37"/>
+              <p:cNvSpPr txBox="1">
+                <a:spLocks noRot="1" noChangeAspect="1" noMove="1" noResize="1" noEditPoints="1" noAdjustHandles="1" noChangeArrowheads="1" noChangeShapeType="1" noTextEdit="1"/>
+              </p:cNvSpPr>
+              <p:nvPr/>
+            </p:nvSpPr>
+            <p:spPr>
+              <a:xfrm>
+                <a:off x="1514287" y="205095"/>
+                <a:ext cx="444674" cy="276999"/>
+              </a:xfrm>
+              <a:prstGeom prst="rect">
+                <a:avLst/>
+              </a:prstGeom>
+              <a:blipFill>
+                <a:blip r:embed="rId5"/>
+                <a:stretch>
+                  <a:fillRect/>
+                </a:stretch>
+              </a:blipFill>
+            </p:spPr>
+            <p:txBody>
+              <a:bodyPr/>
+              <a:lstStyle/>
+              <a:p>
+                <a:r>
+                  <a:rPr lang="fr-FR">
+                    <a:noFill/>
+                  </a:rPr>
+                  <a:t> </a:t>
+                </a:r>
+              </a:p>
+            </p:txBody>
+          </p:sp>
+        </mc:Fallback>
+      </mc:AlternateContent>
+      <mc:AlternateContent xmlns:mc="http://schemas.openxmlformats.org/markup-compatibility/2006">
+        <mc:Choice xmlns:a14="http://schemas.microsoft.com/office/drawing/2010/main" Requires="a14">
+          <p:sp>
+            <p:nvSpPr>
+              <p:cNvPr id="39" name="ZoneTexte 38"/>
+              <p:cNvSpPr txBox="1"/>
+              <p:nvPr/>
+            </p:nvSpPr>
+            <p:spPr>
+              <a:xfrm>
+                <a:off x="3317872" y="-42650"/>
+                <a:ext cx="444674" cy="276999"/>
+              </a:xfrm>
+              <a:prstGeom prst="rect">
+                <a:avLst/>
+              </a:prstGeom>
+              <a:noFill/>
+            </p:spPr>
+            <p:txBody>
+              <a:bodyPr wrap="none" rtlCol="0">
+                <a:spAutoFit/>
+              </a:bodyPr>
+              <a:lstStyle/>
+              <a:p>
+                <a:pPr/>
+                <a14:m>
+                  <m:oMathPara xmlns:m="http://schemas.openxmlformats.org/officeDocument/2006/math">
+                    <m:oMathParaPr>
+                      <m:jc m:val="centerGroup"/>
+                    </m:oMathParaPr>
+                    <m:oMath xmlns:m="http://schemas.openxmlformats.org/officeDocument/2006/math">
+                      <m:sSub>
+                        <m:sSubPr>
+                          <m:ctrlPr>
+                            <a:rPr lang="fr-FR" sz="1200" b="0" i="1" smtClean="0">
+                              <a:latin typeface="Cambria Math" panose="02040503050406030204" pitchFamily="18" charset="0"/>
+                            </a:rPr>
+                          </m:ctrlPr>
+                        </m:sSubPr>
+                        <m:e>
+                          <m:r>
+                            <a:rPr lang="fr-FR" sz="1200" i="1" smtClean="0">
+                              <a:latin typeface="Cambria Math" panose="02040503050406030204" pitchFamily="18" charset="0"/>
+                            </a:rPr>
+                            <m:t>𝑍</m:t>
+                          </m:r>
+                        </m:e>
+                        <m:sub>
+                          <m:r>
+                            <a:rPr lang="fr-FR" sz="1200" b="0" i="1" smtClean="0">
+                              <a:latin typeface="Cambria Math" panose="02040503050406030204" pitchFamily="18" charset="0"/>
+                            </a:rPr>
+                            <m:t>22</m:t>
+                          </m:r>
+                        </m:sub>
+                      </m:sSub>
+                    </m:oMath>
+                  </m:oMathPara>
+                </a14:m>
+                <a:endParaRPr lang="fr-FR" sz="1200" dirty="0"/>
+              </a:p>
+            </p:txBody>
+          </p:sp>
+        </mc:Choice>
+        <mc:Fallback>
+          <p:sp>
+            <p:nvSpPr>
+              <p:cNvPr id="39" name="ZoneTexte 38"/>
+              <p:cNvSpPr txBox="1">
+                <a:spLocks noRot="1" noChangeAspect="1" noMove="1" noResize="1" noEditPoints="1" noAdjustHandles="1" noChangeArrowheads="1" noChangeShapeType="1" noTextEdit="1"/>
+              </p:cNvSpPr>
+              <p:nvPr/>
+            </p:nvSpPr>
+            <p:spPr>
+              <a:xfrm>
+                <a:off x="3317872" y="-42650"/>
+                <a:ext cx="444674" cy="276999"/>
+              </a:xfrm>
+              <a:prstGeom prst="rect">
+                <a:avLst/>
+              </a:prstGeom>
+              <a:blipFill>
+                <a:blip r:embed="rId6"/>
+                <a:stretch>
+                  <a:fillRect/>
+                </a:stretch>
+              </a:blipFill>
+            </p:spPr>
+            <p:txBody>
+              <a:bodyPr/>
+              <a:lstStyle/>
+              <a:p>
+                <a:r>
+                  <a:rPr lang="fr-FR">
+                    <a:noFill/>
+                  </a:rPr>
+                  <a:t> </a:t>
+                </a:r>
+              </a:p>
+            </p:txBody>
+          </p:sp>
+        </mc:Fallback>
+      </mc:AlternateContent>
+      <mc:AlternateContent xmlns:mc="http://schemas.openxmlformats.org/markup-compatibility/2006">
+        <mc:Choice xmlns:a14="http://schemas.microsoft.com/office/drawing/2010/main" Requires="a14">
+          <p:sp>
+            <p:nvSpPr>
+              <p:cNvPr id="40" name="ZoneTexte 39"/>
+              <p:cNvSpPr txBox="1"/>
+              <p:nvPr/>
+            </p:nvSpPr>
+            <p:spPr>
+              <a:xfrm>
+                <a:off x="3292341" y="2324086"/>
+                <a:ext cx="378950" cy="276999"/>
+              </a:xfrm>
+              <a:prstGeom prst="rect">
+                <a:avLst/>
+              </a:prstGeom>
+              <a:noFill/>
+            </p:spPr>
+            <p:txBody>
+              <a:bodyPr wrap="none" rtlCol="0">
+                <a:spAutoFit/>
+              </a:bodyPr>
+              <a:lstStyle/>
+              <a:p>
+                <a:pPr/>
+                <a14:m>
+                  <m:oMathPara xmlns:m="http://schemas.openxmlformats.org/officeDocument/2006/math">
+                    <m:oMathParaPr>
+                      <m:jc m:val="centerGroup"/>
+                    </m:oMathParaPr>
+                    <m:oMath xmlns:m="http://schemas.openxmlformats.org/officeDocument/2006/math">
+                      <m:sSub>
+                        <m:sSubPr>
+                          <m:ctrlPr>
+                            <a:rPr lang="fr-FR" sz="1200" b="0" i="1" smtClean="0">
+                              <a:latin typeface="Cambria Math" panose="02040503050406030204" pitchFamily="18" charset="0"/>
+                            </a:rPr>
+                          </m:ctrlPr>
+                        </m:sSubPr>
+                        <m:e>
+                          <m:r>
+                            <a:rPr lang="fr-FR" sz="1200" i="1" smtClean="0">
+                              <a:latin typeface="Cambria Math" panose="02040503050406030204" pitchFamily="18" charset="0"/>
+                            </a:rPr>
+                            <m:t>𝑍</m:t>
+                          </m:r>
+                        </m:e>
+                        <m:sub>
+                          <m:r>
+                            <a:rPr lang="fr-FR" sz="1200" b="0" i="1" smtClean="0">
+                              <a:latin typeface="Cambria Math" panose="02040503050406030204" pitchFamily="18" charset="0"/>
+                            </a:rPr>
+                            <m:t>3</m:t>
+                          </m:r>
+                        </m:sub>
+                      </m:sSub>
+                    </m:oMath>
+                  </m:oMathPara>
+                </a14:m>
+                <a:endParaRPr lang="fr-FR" sz="1200" dirty="0"/>
+              </a:p>
+            </p:txBody>
+          </p:sp>
+        </mc:Choice>
+        <mc:Fallback>
+          <p:sp>
+            <p:nvSpPr>
+              <p:cNvPr id="40" name="ZoneTexte 39"/>
+              <p:cNvSpPr txBox="1">
+                <a:spLocks noRot="1" noChangeAspect="1" noMove="1" noResize="1" noEditPoints="1" noAdjustHandles="1" noChangeArrowheads="1" noChangeShapeType="1" noTextEdit="1"/>
+              </p:cNvSpPr>
+              <p:nvPr/>
+            </p:nvSpPr>
+            <p:spPr>
+              <a:xfrm>
+                <a:off x="3292341" y="2324086"/>
+                <a:ext cx="378950" cy="276999"/>
+              </a:xfrm>
+              <a:prstGeom prst="rect">
+                <a:avLst/>
+              </a:prstGeom>
+              <a:blipFill>
+                <a:blip r:embed="rId7"/>
+                <a:stretch>
+                  <a:fillRect/>
+                </a:stretch>
+              </a:blipFill>
+            </p:spPr>
+            <p:txBody>
+              <a:bodyPr/>
+              <a:lstStyle/>
+              <a:p>
+                <a:r>
+                  <a:rPr lang="fr-FR">
+                    <a:noFill/>
+                  </a:rPr>
+                  <a:t> </a:t>
+                </a:r>
+              </a:p>
+            </p:txBody>
+          </p:sp>
+        </mc:Fallback>
+      </mc:AlternateContent>
+      <mc:AlternateContent xmlns:mc="http://schemas.openxmlformats.org/markup-compatibility/2006">
+        <mc:Choice xmlns:a14="http://schemas.microsoft.com/office/drawing/2010/main" Requires="a14">
+          <p:sp>
+            <p:nvSpPr>
+              <p:cNvPr id="42" name="ZoneTexte 41"/>
+              <p:cNvSpPr txBox="1"/>
+              <p:nvPr/>
+            </p:nvSpPr>
+            <p:spPr>
+              <a:xfrm>
+                <a:off x="1090112" y="1619030"/>
+                <a:ext cx="385938" cy="276999"/>
+              </a:xfrm>
+              <a:prstGeom prst="rect">
+                <a:avLst/>
+              </a:prstGeom>
+              <a:noFill/>
+            </p:spPr>
+            <p:txBody>
+              <a:bodyPr wrap="none" rtlCol="0">
+                <a:spAutoFit/>
+              </a:bodyPr>
+              <a:lstStyle/>
+              <a:p>
+                <a:pPr/>
+                <a14:m>
+                  <m:oMathPara xmlns:m="http://schemas.openxmlformats.org/officeDocument/2006/math">
+                    <m:oMathParaPr>
+                      <m:jc m:val="centerGroup"/>
+                    </m:oMathParaPr>
+                    <m:oMath xmlns:m="http://schemas.openxmlformats.org/officeDocument/2006/math">
+                      <m:sSub>
+                        <m:sSubPr>
+                          <m:ctrlPr>
+                            <a:rPr lang="fr-FR" sz="1200" b="0" i="1" smtClean="0">
+                              <a:latin typeface="Cambria Math" panose="02040503050406030204" pitchFamily="18" charset="0"/>
+                            </a:rPr>
+                          </m:ctrlPr>
+                        </m:sSubPr>
+                        <m:e>
+                          <m:r>
+                            <a:rPr lang="fr-FR" sz="1200" b="0" i="1" smtClean="0">
+                              <a:latin typeface="Cambria Math" panose="02040503050406030204" pitchFamily="18" charset="0"/>
+                            </a:rPr>
+                            <m:t>𝑂</m:t>
+                          </m:r>
+                        </m:e>
+                        <m:sub>
+                          <m:r>
+                            <a:rPr lang="fr-FR" sz="1200" b="0" i="1" smtClean="0">
+                              <a:latin typeface="Cambria Math" panose="02040503050406030204" pitchFamily="18" charset="0"/>
+                            </a:rPr>
+                            <m:t>1</m:t>
+                          </m:r>
+                        </m:sub>
+                      </m:sSub>
+                    </m:oMath>
+                  </m:oMathPara>
+                </a14:m>
+                <a:endParaRPr lang="fr-FR" sz="1200" dirty="0"/>
+              </a:p>
+            </p:txBody>
+          </p:sp>
+        </mc:Choice>
+        <mc:Fallback>
+          <p:sp>
+            <p:nvSpPr>
+              <p:cNvPr id="42" name="ZoneTexte 41"/>
+              <p:cNvSpPr txBox="1">
+                <a:spLocks noRot="1" noChangeAspect="1" noMove="1" noResize="1" noEditPoints="1" noAdjustHandles="1" noChangeArrowheads="1" noChangeShapeType="1" noTextEdit="1"/>
+              </p:cNvSpPr>
+              <p:nvPr/>
+            </p:nvSpPr>
+            <p:spPr>
+              <a:xfrm>
+                <a:off x="1090112" y="1619030"/>
+                <a:ext cx="385938" cy="276999"/>
+              </a:xfrm>
+              <a:prstGeom prst="rect">
+                <a:avLst/>
+              </a:prstGeom>
+              <a:blipFill>
+                <a:blip r:embed="rId8"/>
+                <a:stretch>
+                  <a:fillRect/>
+                </a:stretch>
+              </a:blipFill>
+            </p:spPr>
+            <p:txBody>
+              <a:bodyPr/>
+              <a:lstStyle/>
+              <a:p>
+                <a:r>
+                  <a:rPr lang="fr-FR">
+                    <a:noFill/>
+                  </a:rPr>
+                  <a:t> </a:t>
+                </a:r>
+              </a:p>
+            </p:txBody>
+          </p:sp>
+        </mc:Fallback>
+      </mc:AlternateContent>
+      <mc:AlternateContent xmlns:mc="http://schemas.openxmlformats.org/markup-compatibility/2006">
+        <mc:Choice xmlns:a14="http://schemas.microsoft.com/office/drawing/2010/main" Requires="a14">
+          <p:sp>
+            <p:nvSpPr>
+              <p:cNvPr id="44" name="ZoneTexte 43"/>
+              <p:cNvSpPr txBox="1"/>
+              <p:nvPr/>
+            </p:nvSpPr>
+            <p:spPr>
+              <a:xfrm>
+                <a:off x="2439812" y="415360"/>
+                <a:ext cx="389530" cy="276999"/>
+              </a:xfrm>
+              <a:prstGeom prst="rect">
+                <a:avLst/>
+              </a:prstGeom>
+              <a:noFill/>
+            </p:spPr>
+            <p:txBody>
+              <a:bodyPr wrap="none" rtlCol="0">
+                <a:spAutoFit/>
+              </a:bodyPr>
+              <a:lstStyle/>
+              <a:p>
+                <a:pPr/>
+                <a14:m>
+                  <m:oMathPara xmlns:m="http://schemas.openxmlformats.org/officeDocument/2006/math">
+                    <m:oMathParaPr>
+                      <m:jc m:val="centerGroup"/>
+                    </m:oMathParaPr>
+                    <m:oMath xmlns:m="http://schemas.openxmlformats.org/officeDocument/2006/math">
+                      <m:sSub>
+                        <m:sSubPr>
+                          <m:ctrlPr>
+                            <a:rPr lang="fr-FR" sz="1200" b="0" i="1" smtClean="0">
+                              <a:latin typeface="Cambria Math" panose="02040503050406030204" pitchFamily="18" charset="0"/>
+                            </a:rPr>
+                          </m:ctrlPr>
+                        </m:sSubPr>
+                        <m:e>
+                          <m:r>
+                            <a:rPr lang="fr-FR" sz="1200" b="0" i="1" smtClean="0">
+                              <a:latin typeface="Cambria Math" panose="02040503050406030204" pitchFamily="18" charset="0"/>
+                            </a:rPr>
+                            <m:t>𝑂</m:t>
+                          </m:r>
+                        </m:e>
+                        <m:sub>
+                          <m:r>
+                            <a:rPr lang="fr-FR" sz="1200" b="0" i="1" smtClean="0">
+                              <a:latin typeface="Cambria Math" panose="02040503050406030204" pitchFamily="18" charset="0"/>
+                            </a:rPr>
+                            <m:t>2</m:t>
+                          </m:r>
+                        </m:sub>
+                      </m:sSub>
+                    </m:oMath>
+                  </m:oMathPara>
+                </a14:m>
+                <a:endParaRPr lang="fr-FR" sz="1200" dirty="0"/>
+              </a:p>
+            </p:txBody>
+          </p:sp>
+        </mc:Choice>
+        <mc:Fallback>
+          <p:sp>
+            <p:nvSpPr>
+              <p:cNvPr id="44" name="ZoneTexte 43"/>
+              <p:cNvSpPr txBox="1">
+                <a:spLocks noRot="1" noChangeAspect="1" noMove="1" noResize="1" noEditPoints="1" noAdjustHandles="1" noChangeArrowheads="1" noChangeShapeType="1" noTextEdit="1"/>
+              </p:cNvSpPr>
+              <p:nvPr/>
+            </p:nvSpPr>
+            <p:spPr>
+              <a:xfrm>
+                <a:off x="2439812" y="415360"/>
+                <a:ext cx="389530" cy="276999"/>
+              </a:xfrm>
+              <a:prstGeom prst="rect">
+                <a:avLst/>
+              </a:prstGeom>
+              <a:blipFill>
+                <a:blip r:embed="rId9"/>
+                <a:stretch>
+                  <a:fillRect/>
+                </a:stretch>
+              </a:blipFill>
+            </p:spPr>
+            <p:txBody>
+              <a:bodyPr/>
+              <a:lstStyle/>
+              <a:p>
+                <a:r>
+                  <a:rPr lang="fr-FR">
+                    <a:noFill/>
+                  </a:rPr>
+                  <a:t> </a:t>
+                </a:r>
+              </a:p>
+            </p:txBody>
+          </p:sp>
+        </mc:Fallback>
+      </mc:AlternateContent>
+      <mc:AlternateContent xmlns:mc="http://schemas.openxmlformats.org/markup-compatibility/2006">
+        <mc:Choice xmlns:a14="http://schemas.microsoft.com/office/drawing/2010/main" Requires="a14">
+          <p:sp>
+            <p:nvSpPr>
+              <p:cNvPr id="47" name="ZoneTexte 46"/>
+              <p:cNvSpPr txBox="1"/>
+              <p:nvPr/>
+            </p:nvSpPr>
+            <p:spPr>
+              <a:xfrm>
+                <a:off x="3864769" y="1592074"/>
+                <a:ext cx="389530" cy="276999"/>
+              </a:xfrm>
+              <a:prstGeom prst="rect">
+                <a:avLst/>
+              </a:prstGeom>
+              <a:noFill/>
+            </p:spPr>
+            <p:txBody>
+              <a:bodyPr wrap="none" rtlCol="0">
+                <a:spAutoFit/>
+              </a:bodyPr>
+              <a:lstStyle/>
+              <a:p>
+                <a:pPr/>
+                <a14:m>
+                  <m:oMathPara xmlns:m="http://schemas.openxmlformats.org/officeDocument/2006/math">
+                    <m:oMathParaPr>
+                      <m:jc m:val="centerGroup"/>
+                    </m:oMathParaPr>
+                    <m:oMath xmlns:m="http://schemas.openxmlformats.org/officeDocument/2006/math">
+                      <m:sSub>
+                        <m:sSubPr>
+                          <m:ctrlPr>
+                            <a:rPr lang="fr-FR" sz="1200" b="0" i="1" smtClean="0">
+                              <a:latin typeface="Cambria Math" panose="02040503050406030204" pitchFamily="18" charset="0"/>
+                            </a:rPr>
+                          </m:ctrlPr>
+                        </m:sSubPr>
+                        <m:e>
+                          <m:r>
+                            <a:rPr lang="fr-FR" sz="1200" b="0" i="1" smtClean="0">
+                              <a:latin typeface="Cambria Math" panose="02040503050406030204" pitchFamily="18" charset="0"/>
+                            </a:rPr>
+                            <m:t>𝑂</m:t>
+                          </m:r>
+                        </m:e>
+                        <m:sub>
+                          <m:r>
+                            <a:rPr lang="fr-FR" sz="1200" b="0" i="1" smtClean="0">
+                              <a:latin typeface="Cambria Math" panose="02040503050406030204" pitchFamily="18" charset="0"/>
+                            </a:rPr>
+                            <m:t>3</m:t>
+                          </m:r>
+                        </m:sub>
+                      </m:sSub>
+                    </m:oMath>
+                  </m:oMathPara>
+                </a14:m>
+                <a:endParaRPr lang="fr-FR" sz="1200" dirty="0"/>
+              </a:p>
+            </p:txBody>
+          </p:sp>
+        </mc:Choice>
+        <mc:Fallback>
+          <p:sp>
+            <p:nvSpPr>
+              <p:cNvPr id="47" name="ZoneTexte 46"/>
+              <p:cNvSpPr txBox="1">
+                <a:spLocks noRot="1" noChangeAspect="1" noMove="1" noResize="1" noEditPoints="1" noAdjustHandles="1" noChangeArrowheads="1" noChangeShapeType="1" noTextEdit="1"/>
+              </p:cNvSpPr>
+              <p:nvPr/>
+            </p:nvSpPr>
+            <p:spPr>
+              <a:xfrm>
+                <a:off x="3864769" y="1592074"/>
+                <a:ext cx="389530" cy="276999"/>
+              </a:xfrm>
+              <a:prstGeom prst="rect">
+                <a:avLst/>
+              </a:prstGeom>
+              <a:blipFill>
+                <a:blip r:embed="rId10"/>
+                <a:stretch>
+                  <a:fillRect/>
+                </a:stretch>
+              </a:blipFill>
+            </p:spPr>
+            <p:txBody>
+              <a:bodyPr/>
+              <a:lstStyle/>
+              <a:p>
+                <a:r>
+                  <a:rPr lang="fr-FR">
+                    <a:noFill/>
+                  </a:rPr>
+                  <a:t> </a:t>
+                </a:r>
+              </a:p>
+            </p:txBody>
+          </p:sp>
+        </mc:Fallback>
+      </mc:AlternateContent>
     </p:spTree>
     <p:extLst>
       <p:ext uri="{BB962C8B-B14F-4D97-AF65-F5344CB8AC3E}">
